--- a/_documments/BRAPCI-VINHETA-SAIDA.pptx
+++ b/_documments/BRAPCI-VINHETA-SAIDA.pptx
@@ -8,6 +8,7 @@
     <p:sldId id="256" r:id="rId2"/>
     <p:sldId id="257" r:id="rId3"/>
     <p:sldId id="258" r:id="rId4"/>
+    <p:sldId id="260" r:id="rId5"/>
   </p:sldIdLst>
   <p:sldSz cx="12192000" cy="6858000"/>
   <p:notesSz cx="6858000" cy="9144000"/>
@@ -106,6 +107,11 @@
       </a:defRPr>
     </a:lvl9pPr>
   </p:defaultTextStyle>
+  <p:extLst>
+    <p:ext uri="{EFAFB233-063F-42B5-8137-9DF3F51BA10A}">
+      <p15:sldGuideLst xmlns:p15="http://schemas.microsoft.com/office/powerpoint/2012/main"/>
+    </p:ext>
+  </p:extLst>
 </p:presentation>
 </file>
 
@@ -256,7 +262,7 @@
           <a:p>
             <a:fld id="{8D1C6FE6-862E-40CD-99A3-7ADB95B3A9D0}" type="datetimeFigureOut">
               <a:rPr lang="pt-BR" smtClean="0"/>
-              <a:t>25/11/2020</a:t>
+              <a:t>29/12/2020</a:t>
             </a:fld>
             <a:endParaRPr lang="pt-BR"/>
           </a:p>
@@ -454,7 +460,7 @@
           <a:p>
             <a:fld id="{8D1C6FE6-862E-40CD-99A3-7ADB95B3A9D0}" type="datetimeFigureOut">
               <a:rPr lang="pt-BR" smtClean="0"/>
-              <a:t>25/11/2020</a:t>
+              <a:t>29/12/2020</a:t>
             </a:fld>
             <a:endParaRPr lang="pt-BR"/>
           </a:p>
@@ -662,7 +668,7 @@
           <a:p>
             <a:fld id="{8D1C6FE6-862E-40CD-99A3-7ADB95B3A9D0}" type="datetimeFigureOut">
               <a:rPr lang="pt-BR" smtClean="0"/>
-              <a:t>25/11/2020</a:t>
+              <a:t>29/12/2020</a:t>
             </a:fld>
             <a:endParaRPr lang="pt-BR"/>
           </a:p>
@@ -860,7 +866,7 @@
           <a:p>
             <a:fld id="{8D1C6FE6-862E-40CD-99A3-7ADB95B3A9D0}" type="datetimeFigureOut">
               <a:rPr lang="pt-BR" smtClean="0"/>
-              <a:t>25/11/2020</a:t>
+              <a:t>29/12/2020</a:t>
             </a:fld>
             <a:endParaRPr lang="pt-BR"/>
           </a:p>
@@ -1135,7 +1141,7 @@
           <a:p>
             <a:fld id="{8D1C6FE6-862E-40CD-99A3-7ADB95B3A9D0}" type="datetimeFigureOut">
               <a:rPr lang="pt-BR" smtClean="0"/>
-              <a:t>25/11/2020</a:t>
+              <a:t>29/12/2020</a:t>
             </a:fld>
             <a:endParaRPr lang="pt-BR"/>
           </a:p>
@@ -1400,7 +1406,7 @@
           <a:p>
             <a:fld id="{8D1C6FE6-862E-40CD-99A3-7ADB95B3A9D0}" type="datetimeFigureOut">
               <a:rPr lang="pt-BR" smtClean="0"/>
-              <a:t>25/11/2020</a:t>
+              <a:t>29/12/2020</a:t>
             </a:fld>
             <a:endParaRPr lang="pt-BR"/>
           </a:p>
@@ -1812,7 +1818,7 @@
           <a:p>
             <a:fld id="{8D1C6FE6-862E-40CD-99A3-7ADB95B3A9D0}" type="datetimeFigureOut">
               <a:rPr lang="pt-BR" smtClean="0"/>
-              <a:t>25/11/2020</a:t>
+              <a:t>29/12/2020</a:t>
             </a:fld>
             <a:endParaRPr lang="pt-BR"/>
           </a:p>
@@ -1953,7 +1959,7 @@
           <a:p>
             <a:fld id="{8D1C6FE6-862E-40CD-99A3-7ADB95B3A9D0}" type="datetimeFigureOut">
               <a:rPr lang="pt-BR" smtClean="0"/>
-              <a:t>25/11/2020</a:t>
+              <a:t>29/12/2020</a:t>
             </a:fld>
             <a:endParaRPr lang="pt-BR"/>
           </a:p>
@@ -2066,7 +2072,7 @@
           <a:p>
             <a:fld id="{8D1C6FE6-862E-40CD-99A3-7ADB95B3A9D0}" type="datetimeFigureOut">
               <a:rPr lang="pt-BR" smtClean="0"/>
-              <a:t>25/11/2020</a:t>
+              <a:t>29/12/2020</a:t>
             </a:fld>
             <a:endParaRPr lang="pt-BR"/>
           </a:p>
@@ -2377,7 +2383,7 @@
           <a:p>
             <a:fld id="{8D1C6FE6-862E-40CD-99A3-7ADB95B3A9D0}" type="datetimeFigureOut">
               <a:rPr lang="pt-BR" smtClean="0"/>
-              <a:t>25/11/2020</a:t>
+              <a:t>29/12/2020</a:t>
             </a:fld>
             <a:endParaRPr lang="pt-BR"/>
           </a:p>
@@ -2665,7 +2671,7 @@
           <a:p>
             <a:fld id="{8D1C6FE6-862E-40CD-99A3-7ADB95B3A9D0}" type="datetimeFigureOut">
               <a:rPr lang="pt-BR" smtClean="0"/>
-              <a:t>25/11/2020</a:t>
+              <a:t>29/12/2020</a:t>
             </a:fld>
             <a:endParaRPr lang="pt-BR"/>
           </a:p>
@@ -2906,7 +2912,7 @@
           <a:p>
             <a:fld id="{8D1C6FE6-862E-40CD-99A3-7ADB95B3A9D0}" type="datetimeFigureOut">
               <a:rPr lang="pt-BR" smtClean="0"/>
-              <a:t>25/11/2020</a:t>
+              <a:t>29/12/2020</a:t>
             </a:fld>
             <a:endParaRPr lang="pt-BR"/>
           </a:p>
@@ -3383,11 +3389,11 @@
   <p:clrMapOvr>
     <a:masterClrMapping/>
   </p:clrMapOvr>
-  <mc:AlternateContent xmlns:mc="http://schemas.openxmlformats.org/markup-compatibility/2006">
-    <mc:Choice xmlns:p14="http://schemas.microsoft.com/office/powerpoint/2010/main" Requires="p14">
+  <mc:AlternateContent xmlns:mc="http://schemas.openxmlformats.org/markup-compatibility/2006" xmlns:p14="http://schemas.microsoft.com/office/powerpoint/2010/main">
+    <mc:Choice Requires="p14">
       <p:transition spd="slow" p14:dur="2000" advClick="0" advTm="1000"/>
     </mc:Choice>
-    <mc:Fallback>
+    <mc:Fallback xmlns="">
       <p:transition spd="slow" advClick="0" advTm="1000"/>
     </mc:Fallback>
   </mc:AlternateContent>
@@ -4081,13 +4087,13 @@
   <p:clrMapOvr>
     <a:masterClrMapping/>
   </p:clrMapOvr>
-  <mc:AlternateContent xmlns:mc="http://schemas.openxmlformats.org/markup-compatibility/2006">
-    <mc:Choice xmlns:p15="http://schemas.microsoft.com/office/powerpoint/2012/main" Requires="p15">
+  <mc:AlternateContent xmlns:mc="http://schemas.openxmlformats.org/markup-compatibility/2006" xmlns:p15="http://schemas.microsoft.com/office/powerpoint/2012/main">
+    <mc:Choice Requires="p15">
       <p:transition xmlns:p14="http://schemas.microsoft.com/office/powerpoint/2010/main" spd="slow" p14:dur="2000" advClick="0" advTm="8000">
         <p15:prstTrans prst="curtains"/>
       </p:transition>
     </mc:Choice>
-    <mc:Fallback>
+    <mc:Fallback xmlns="">
       <p:transition spd="slow" advClick="0" advTm="8000">
         <p:fade/>
       </p:transition>
@@ -4123,10 +4129,10 @@
       </p:grpSpPr>
       <p:pic>
         <p:nvPicPr>
-          <p:cNvPr id="5" name="Imagem 4">
-            <a:extLst>
-              <a:ext uri="{FF2B5EF4-FFF2-40B4-BE49-F238E27FC236}">
-                <a16:creationId xmlns:a16="http://schemas.microsoft.com/office/drawing/2014/main" id="{6BCB638D-AA44-44ED-B056-7CA8E7A4AA6B}"/>
+          <p:cNvPr id="3" name="Imagem 2">
+            <a:extLst>
+              <a:ext uri="{FF2B5EF4-FFF2-40B4-BE49-F238E27FC236}">
+                <a16:creationId xmlns:a16="http://schemas.microsoft.com/office/drawing/2014/main" id="{22A3B906-D0E8-4B8F-9348-BB0914A36D7A}"/>
               </a:ext>
             </a:extLst>
           </p:cNvPr>
@@ -4137,6 +4143,7 @@
         </p:nvPicPr>
         <p:blipFill>
           <a:blip r:embed="rId2">
+            <a:lum bright="70000" contrast="-70000"/>
             <a:extLst>
               <a:ext uri="{BEBA8EAE-BF5A-486C-A8C5-ECC9F3942E4B}">
                 <a14:imgProps xmlns:a14="http://schemas.microsoft.com/office/drawing/2010/main">
@@ -4217,8 +4224,8 @@
         </p:blipFill>
         <p:spPr>
           <a:xfrm>
-            <a:off x="1471157" y="2301568"/>
-            <a:ext cx="5144218" cy="3934374"/>
+            <a:off x="651391" y="5063618"/>
+            <a:ext cx="1747516" cy="1336526"/>
           </a:xfrm>
           <a:prstGeom prst="rect">
             <a:avLst/>
@@ -4235,14 +4242,353 @@
   <p:clrMapOvr>
     <a:masterClrMapping/>
   </p:clrMapOvr>
-  <mc:AlternateContent xmlns:mc="http://schemas.openxmlformats.org/markup-compatibility/2006">
-    <mc:Choice xmlns:p15="http://schemas.microsoft.com/office/powerpoint/2012/main" Requires="p15">
+  <mc:AlternateContent xmlns:mc="http://schemas.openxmlformats.org/markup-compatibility/2006" xmlns:p15="http://schemas.microsoft.com/office/powerpoint/2012/main">
+    <mc:Choice Requires="p15">
       <p:transition xmlns:p14="http://schemas.microsoft.com/office/powerpoint/2010/main" spd="slow" p14:dur="2000" advTm="0">
         <p15:prstTrans prst="wind"/>
       </p:transition>
     </mc:Choice>
-    <mc:Fallback>
+    <mc:Fallback xmlns="">
       <p:transition spd="slow" advTm="0">
+        <p:fade/>
+      </p:transition>
+    </mc:Fallback>
+  </mc:AlternateContent>
+</p:sld>
+</file>
+
+<file path=ppt/slides/slide4.xml><?xml version="1.0" encoding="utf-8"?>
+<p:sld xmlns:a="http://schemas.openxmlformats.org/drawingml/2006/main" xmlns:r="http://schemas.openxmlformats.org/officeDocument/2006/relationships" xmlns:p="http://schemas.openxmlformats.org/presentationml/2006/main">
+  <p:cSld>
+    <p:bg>
+      <p:bgPr>
+        <a:solidFill>
+          <a:schemeClr val="tx1"/>
+        </a:solidFill>
+        <a:effectLst/>
+      </p:bgPr>
+    </p:bg>
+    <p:spTree>
+      <p:nvGrpSpPr>
+        <p:cNvPr id="1" name=""/>
+        <p:cNvGrpSpPr/>
+        <p:nvPr/>
+      </p:nvGrpSpPr>
+      <p:grpSpPr>
+        <a:xfrm>
+          <a:off x="0" y="0"/>
+          <a:ext cx="0" cy="0"/>
+          <a:chOff x="0" y="0"/>
+          <a:chExt cx="0" cy="0"/>
+        </a:xfrm>
+      </p:grpSpPr>
+      <p:sp>
+        <p:nvSpPr>
+          <p:cNvPr id="2" name="Título 1">
+            <a:extLst>
+              <a:ext uri="{FF2B5EF4-FFF2-40B4-BE49-F238E27FC236}">
+                <a16:creationId xmlns:a16="http://schemas.microsoft.com/office/drawing/2014/main" id="{67795BDD-ECE6-4B0E-9620-746E27F16C29}"/>
+              </a:ext>
+            </a:extLst>
+          </p:cNvPr>
+          <p:cNvSpPr>
+            <a:spLocks noGrp="1"/>
+          </p:cNvSpPr>
+          <p:nvPr>
+            <p:ph type="title"/>
+          </p:nvPr>
+        </p:nvSpPr>
+        <p:spPr>
+          <a:xfrm>
+            <a:off x="1436913" y="1483567"/>
+            <a:ext cx="8994710" cy="2748165"/>
+          </a:xfrm>
+        </p:spPr>
+        <p:txBody>
+          <a:bodyPr>
+            <a:noAutofit/>
+          </a:bodyPr>
+          <a:lstStyle/>
+          <a:p>
+            <a:pPr algn="ctr"/>
+            <a:r>
+              <a:rPr lang="pt-BR" sz="15000" dirty="0">
+                <a:solidFill>
+                  <a:schemeClr val="bg1"/>
+                </a:solidFill>
+                <a:latin typeface="Handel Gothic" pitchFamily="50" charset="0"/>
+                <a:cs typeface="Arial" panose="020B0604020202020204" pitchFamily="34" charset="0"/>
+              </a:rPr>
+              <a:t>BRAPCI</a:t>
+            </a:r>
+          </a:p>
+        </p:txBody>
+      </p:sp>
+      <p:sp>
+        <p:nvSpPr>
+          <p:cNvPr id="4" name="CaixaDeTexto 3">
+            <a:extLst>
+              <a:ext uri="{FF2B5EF4-FFF2-40B4-BE49-F238E27FC236}">
+                <a16:creationId xmlns:a16="http://schemas.microsoft.com/office/drawing/2014/main" id="{E79FB2BD-2080-4D15-95D7-D6536ECA02CF}"/>
+              </a:ext>
+            </a:extLst>
+          </p:cNvPr>
+          <p:cNvSpPr txBox="1"/>
+          <p:nvPr/>
+        </p:nvSpPr>
+        <p:spPr>
+          <a:xfrm>
+            <a:off x="3889162" y="3585948"/>
+            <a:ext cx="4293020" cy="369332"/>
+          </a:xfrm>
+          <a:prstGeom prst="rect">
+            <a:avLst/>
+          </a:prstGeom>
+          <a:noFill/>
+        </p:spPr>
+        <p:txBody>
+          <a:bodyPr wrap="square" rtlCol="0">
+            <a:spAutoFit/>
+          </a:bodyPr>
+          <a:lstStyle/>
+          <a:p>
+            <a:pPr algn="ctr"/>
+            <a:r>
+              <a:rPr lang="pt-BR" dirty="0">
+                <a:solidFill>
+                  <a:schemeClr val="bg1"/>
+                </a:solidFill>
+                <a:latin typeface="Segoe UI Light" panose="020B0502040204020203" pitchFamily="34" charset="0"/>
+                <a:cs typeface="Segoe UI Light" panose="020B0502040204020203" pitchFamily="34" charset="0"/>
+              </a:rPr>
+              <a:t>Base de dados em Ciência da Informação</a:t>
+            </a:r>
+          </a:p>
+        </p:txBody>
+      </p:sp>
+      <p:sp>
+        <p:nvSpPr>
+          <p:cNvPr id="5" name="Título 1">
+            <a:extLst>
+              <a:ext uri="{FF2B5EF4-FFF2-40B4-BE49-F238E27FC236}">
+                <a16:creationId xmlns:a16="http://schemas.microsoft.com/office/drawing/2014/main" id="{D7CB1B21-318F-4695-9C39-0F505BEA8E98}"/>
+              </a:ext>
+            </a:extLst>
+          </p:cNvPr>
+          <p:cNvSpPr txBox="1">
+            <a:spLocks/>
+          </p:cNvSpPr>
+          <p:nvPr/>
+        </p:nvSpPr>
+        <p:spPr>
+          <a:xfrm>
+            <a:off x="-914843" y="5962129"/>
+            <a:ext cx="6028459" cy="889880"/>
+          </a:xfrm>
+          <a:prstGeom prst="rect">
+            <a:avLst/>
+          </a:prstGeom>
+        </p:spPr>
+        <p:txBody>
+          <a:bodyPr vert="horz" lIns="91440" tIns="45720" rIns="91440" bIns="45720" rtlCol="0" anchor="ctr">
+            <a:normAutofit fontScale="77500" lnSpcReduction="20000"/>
+          </a:bodyPr>
+          <a:lstStyle>
+            <a:lvl1pPr algn="l" defTabSz="914400" rtl="0" eaLnBrk="1" latinLnBrk="0" hangingPunct="1">
+              <a:lnSpc>
+                <a:spcPct val="90000"/>
+              </a:lnSpc>
+              <a:spcBef>
+                <a:spcPct val="0"/>
+              </a:spcBef>
+              <a:buNone/>
+              <a:defRPr sz="4400" kern="1200">
+                <a:solidFill>
+                  <a:schemeClr val="tx1"/>
+                </a:solidFill>
+                <a:latin typeface="+mj-lt"/>
+                <a:ea typeface="+mj-ea"/>
+                <a:cs typeface="+mj-cs"/>
+              </a:defRPr>
+            </a:lvl1pPr>
+          </a:lstStyle>
+          <a:p>
+            <a:pPr algn="ctr"/>
+            <a:r>
+              <a:rPr lang="pt-BR" sz="8800" dirty="0">
+                <a:solidFill>
+                  <a:schemeClr val="bg1">
+                    <a:lumMod val="50000"/>
+                  </a:schemeClr>
+                </a:solidFill>
+                <a:latin typeface="Arial Rounded MT Bold" panose="020F0704030504030204" pitchFamily="34" charset="0"/>
+                <a:cs typeface="Arial" panose="020B0604020202020204" pitchFamily="34" charset="0"/>
+              </a:rPr>
+              <a:t>servidor</a:t>
+            </a:r>
+          </a:p>
+        </p:txBody>
+      </p:sp>
+      <p:pic>
+        <p:nvPicPr>
+          <p:cNvPr id="6" name="Imagem 5">
+            <a:extLst>
+              <a:ext uri="{FF2B5EF4-FFF2-40B4-BE49-F238E27FC236}">
+                <a16:creationId xmlns:a16="http://schemas.microsoft.com/office/drawing/2014/main" id="{60B99799-FF44-4C80-983F-266E192856BE}"/>
+              </a:ext>
+            </a:extLst>
+          </p:cNvPr>
+          <p:cNvPicPr>
+            <a:picLocks noChangeAspect="1"/>
+          </p:cNvPicPr>
+          <p:nvPr/>
+        </p:nvPicPr>
+        <p:blipFill>
+          <a:blip r:embed="rId2">
+            <a:biLevel thresh="25000"/>
+            <a:extLst>
+              <a:ext uri="{28A0092B-C50C-407E-A947-70E740481C1C}">
+                <a14:useLocalDpi xmlns:a14="http://schemas.microsoft.com/office/drawing/2010/main" val="0"/>
+              </a:ext>
+            </a:extLst>
+          </a:blip>
+          <a:stretch>
+            <a:fillRect/>
+          </a:stretch>
+        </p:blipFill>
+        <p:spPr>
+          <a:xfrm>
+            <a:off x="7522772" y="5859624"/>
+            <a:ext cx="2410648" cy="681141"/>
+          </a:xfrm>
+          <a:prstGeom prst="rect">
+            <a:avLst/>
+          </a:prstGeom>
+        </p:spPr>
+      </p:pic>
+      <p:pic>
+        <p:nvPicPr>
+          <p:cNvPr id="7" name="Imagem 6">
+            <a:extLst>
+              <a:ext uri="{FF2B5EF4-FFF2-40B4-BE49-F238E27FC236}">
+                <a16:creationId xmlns:a16="http://schemas.microsoft.com/office/drawing/2014/main" id="{6122B494-D171-4C02-952C-65E9485252EF}"/>
+              </a:ext>
+            </a:extLst>
+          </p:cNvPr>
+          <p:cNvPicPr>
+            <a:picLocks noChangeAspect="1"/>
+          </p:cNvPicPr>
+          <p:nvPr/>
+        </p:nvPicPr>
+        <p:blipFill>
+          <a:blip r:embed="rId3">
+            <a:lum bright="70000" contrast="-70000"/>
+            <a:extLst>
+              <a:ext uri="{BEBA8EAE-BF5A-486C-A8C5-ECC9F3942E4B}">
+                <a14:imgProps xmlns:a14="http://schemas.microsoft.com/office/drawing/2010/main">
+                  <a14:imgLayer r:embed="rId4">
+                    <a14:imgEffect>
+                      <a14:backgroundRemoval t="7264" b="91525" l="8519" r="92593">
+                        <a14:foregroundMark x1="47593" y1="7990" x2="46111" y2="21065"/>
+                        <a14:foregroundMark x1="46111" y1="21065" x2="50370" y2="28814"/>
+                        <a14:foregroundMark x1="54074" y1="29056" x2="53704" y2="22518"/>
+                        <a14:foregroundMark x1="52407" y1="37046" x2="45000" y2="36077"/>
+                        <a14:foregroundMark x1="41852" y1="27119" x2="41852" y2="27119"/>
+                        <a14:foregroundMark x1="45556" y1="40678" x2="45556" y2="40678"/>
+                        <a14:foregroundMark x1="47963" y1="40194" x2="47963" y2="40194"/>
+                        <a14:foregroundMark x1="50741" y1="40436" x2="50741" y2="40436"/>
+                        <a14:foregroundMark x1="51481" y1="46973" x2="51481" y2="46973"/>
+                        <a14:foregroundMark x1="32222" y1="51574" x2="32222" y2="51574"/>
+                        <a14:foregroundMark x1="21667" y1="53027" x2="21667" y2="53027"/>
+                        <a14:foregroundMark x1="85926" y1="45521" x2="85926" y2="45521"/>
+                        <a14:foregroundMark x1="91852" y1="79419" x2="91852" y2="79419"/>
+                        <a14:foregroundMark x1="89444" y1="81114" x2="89444" y2="81114"/>
+                        <a14:foregroundMark x1="78519" y1="80630" x2="78519" y2="80630"/>
+                        <a14:foregroundMark x1="72407" y1="81114" x2="72407" y2="81114"/>
+                        <a14:foregroundMark x1="68889" y1="80872" x2="68889" y2="80872"/>
+                        <a14:foregroundMark x1="65741" y1="81114" x2="65741" y2="81114"/>
+                        <a14:foregroundMark x1="8519" y1="78692" x2="8519" y2="78692"/>
+                        <a14:foregroundMark x1="15185" y1="78208" x2="15185" y2="78208"/>
+                        <a14:foregroundMark x1="20000" y1="78208" x2="20000" y2="78208"/>
+                        <a14:foregroundMark x1="23519" y1="78450" x2="23519" y2="78450"/>
+                        <a14:foregroundMark x1="28704" y1="78692" x2="28704" y2="78692"/>
+                        <a14:foregroundMark x1="32222" y1="78935" x2="32222" y2="78935"/>
+                        <a14:foregroundMark x1="37222" y1="79419" x2="37222" y2="79419"/>
+                        <a14:foregroundMark x1="41111" y1="79177" x2="41111" y2="79177"/>
+                        <a14:foregroundMark x1="43333" y1="78935" x2="43333" y2="78935"/>
+                        <a14:foregroundMark x1="48704" y1="78692" x2="48704" y2="78692"/>
+                        <a14:foregroundMark x1="53148" y1="77482" x2="53148" y2="77482"/>
+                        <a14:foregroundMark x1="59259" y1="76998" x2="59259" y2="76998"/>
+                        <a14:foregroundMark x1="65370" y1="78692" x2="65370" y2="78692"/>
+                        <a14:foregroundMark x1="69259" y1="79177" x2="69259" y2="79177"/>
+                        <a14:foregroundMark x1="69815" y1="89346" x2="69815" y2="89346"/>
+                        <a14:foregroundMark x1="78889" y1="89831" x2="78889" y2="89831"/>
+                        <a14:foregroundMark x1="83148" y1="88378" x2="83148" y2="88378"/>
+                        <a14:foregroundMark x1="87037" y1="88378" x2="87037" y2="88378"/>
+                        <a14:foregroundMark x1="83519" y1="80387" x2="83519" y2="80387"/>
+                        <a14:foregroundMark x1="92593" y1="88862" x2="92593" y2="88862"/>
+                        <a14:foregroundMark x1="63889" y1="88620" x2="63889" y2="88620"/>
+                        <a14:foregroundMark x1="59444" y1="91283" x2="59444" y2="91283"/>
+                        <a14:foregroundMark x1="55926" y1="90799" x2="55926" y2="90799"/>
+                        <a14:foregroundMark x1="50000" y1="90557" x2="50000" y2="90557"/>
+                        <a14:foregroundMark x1="38889" y1="91525" x2="38889" y2="91525"/>
+                        <a14:foregroundMark x1="29074" y1="87893" x2="29074" y2="87893"/>
+                        <a14:foregroundMark x1="26481" y1="87893" x2="26481" y2="87893"/>
+                        <a14:foregroundMark x1="25000" y1="86925" x2="25000" y2="86925"/>
+                        <a14:foregroundMark x1="14074" y1="87167" x2="14074" y2="87167"/>
+                        <a14:foregroundMark x1="10741" y1="86683" x2="10741" y2="86683"/>
+                        <a14:backgroundMark x1="74630" y1="78935" x2="74630" y2="78935"/>
+                        <a14:backgroundMark x1="87963" y1="79661" x2="87963" y2="79661"/>
+                        <a14:backgroundMark x1="83333" y1="78935" x2="83333" y2="78935"/>
+                        <a14:backgroundMark x1="10000" y1="88378" x2="10000" y2="88378"/>
+                        <a14:backgroundMark x1="23519" y1="87651" x2="23519" y2="87651"/>
+                        <a14:backgroundMark x1="44259" y1="79661" x2="44259" y2="79661"/>
+                        <a14:backgroundMark x1="49630" y1="79419" x2="49630" y2="79419"/>
+                        <a14:backgroundMark x1="55185" y1="79177" x2="55185" y2="79177"/>
+                        <a14:backgroundMark x1="44074" y1="87893" x2="44074" y2="87893"/>
+                        <a14:backgroundMark x1="32963" y1="78692" x2="32963" y2="78692"/>
+                        <a14:backgroundMark x1="48704" y1="89346" x2="48704" y2="89346"/>
+                        <a14:backgroundMark x1="60370" y1="89346" x2="60370" y2="89346"/>
+                        <a14:backgroundMark x1="71667" y1="89831" x2="71667" y2="89831"/>
+                      </a14:backgroundRemoval>
+                    </a14:imgEffect>
+                  </a14:imgLayer>
+                </a14:imgProps>
+              </a:ext>
+            </a:extLst>
+          </a:blip>
+          <a:stretch>
+            <a:fillRect/>
+          </a:stretch>
+        </p:blipFill>
+        <p:spPr>
+          <a:xfrm>
+            <a:off x="10302196" y="5294181"/>
+            <a:ext cx="1697911" cy="1298587"/>
+          </a:xfrm>
+          <a:prstGeom prst="rect">
+            <a:avLst/>
+          </a:prstGeom>
+        </p:spPr>
+      </p:pic>
+    </p:spTree>
+    <p:extLst>
+      <p:ext uri="{BB962C8B-B14F-4D97-AF65-F5344CB8AC3E}">
+        <p14:creationId xmlns:p14="http://schemas.microsoft.com/office/powerpoint/2010/main" val="1151298311"/>
+      </p:ext>
+    </p:extLst>
+  </p:cSld>
+  <p:clrMapOvr>
+    <a:masterClrMapping/>
+  </p:clrMapOvr>
+  <mc:AlternateContent xmlns:mc="http://schemas.openxmlformats.org/markup-compatibility/2006" xmlns:p15="http://schemas.microsoft.com/office/powerpoint/2012/main">
+    <mc:Choice Requires="p15">
+      <p:transition xmlns:p14="http://schemas.microsoft.com/office/powerpoint/2010/main" spd="slow" p14:dur="5000" advTm="3000">
+        <p15:prstTrans prst="origami"/>
+      </p:transition>
+    </mc:Choice>
+    <mc:Fallback xmlns="">
+      <p:transition spd="slow" advTm="3000">
         <p:fade/>
       </p:transition>
     </mc:Fallback>
